--- a/Clustring.pptx
+++ b/Clustring.pptx
@@ -20,6 +20,14 @@
     <p:sldId id="268" r:id="rId14"/>
     <p:sldId id="269" r:id="rId15"/>
     <p:sldId id="270" r:id="rId16"/>
+    <p:sldId id="274" r:id="rId17"/>
+    <p:sldId id="271" r:id="rId18"/>
+    <p:sldId id="275" r:id="rId19"/>
+    <p:sldId id="276" r:id="rId20"/>
+    <p:sldId id="277" r:id="rId21"/>
+    <p:sldId id="278" r:id="rId22"/>
+    <p:sldId id="272" r:id="rId23"/>
+    <p:sldId id="273" r:id="rId24"/>
   </p:sldIdLst>
   <p:sldSz cx="12192000" cy="6858000"/>
   <p:notesSz cx="6858000" cy="9144000"/>
@@ -9785,12 +9793,99 @@
             <p:ph type="title"/>
           </p:nvPr>
         </p:nvSpPr>
-        <p:spPr/>
+        <p:spPr>
+          <a:xfrm>
+            <a:off x="524191" y="1245198"/>
+            <a:ext cx="9404723" cy="5145442"/>
+          </a:xfrm>
+        </p:spPr>
         <p:txBody>
           <a:bodyPr/>
           <a:lstStyle/>
           <a:p>
-            <a:endParaRPr lang="en-IN" dirty="0"/>
+            <a:r>
+              <a:rPr lang="en-IN" sz="3600" b="1" dirty="0"/>
+              <a:t>Epsilon :- Distance [radius]</a:t>
+            </a:r>
+            <a:br>
+              <a:rPr lang="en-IN" sz="3600" b="1" dirty="0"/>
+            </a:br>
+            <a:br>
+              <a:rPr lang="en-IN" sz="3600" b="1" dirty="0"/>
+            </a:br>
+            <a:r>
+              <a:rPr lang="en-IN" sz="3600" b="1" dirty="0"/>
+              <a:t>Min- Points :- Minimum no of points </a:t>
+            </a:r>
+            <a:br>
+              <a:rPr lang="en-IN" sz="3600" b="1" dirty="0"/>
+            </a:br>
+            <a:br>
+              <a:rPr lang="en-IN" sz="3600" b="1" dirty="0"/>
+            </a:br>
+            <a:r>
+              <a:rPr lang="en-IN" sz="3600" b="1" dirty="0"/>
+              <a:t>Core points :-Satisfying min point criteria</a:t>
+            </a:r>
+            <a:br>
+              <a:rPr lang="en-IN" sz="3600" b="1" dirty="0"/>
+            </a:br>
+            <a:br>
+              <a:rPr lang="en-IN" sz="3600" b="1" dirty="0"/>
+            </a:br>
+            <a:r>
+              <a:rPr lang="en-IN" sz="3600" b="1" dirty="0"/>
+              <a:t>Border Points :- Some conditions</a:t>
+            </a:r>
+            <a:br>
+              <a:rPr lang="en-IN" sz="3600" b="1" dirty="0"/>
+            </a:br>
+            <a:br>
+              <a:rPr lang="en-IN" sz="3600" b="1" dirty="0"/>
+            </a:br>
+            <a:r>
+              <a:rPr lang="en-IN" sz="3600" b="1" dirty="0"/>
+              <a:t>Noise :- A point which is not of any cluster</a:t>
+            </a:r>
+          </a:p>
+        </p:txBody>
+      </p:sp>
+      <p:sp>
+        <p:nvSpPr>
+          <p:cNvPr id="4" name="TextBox 3">
+            <a:extLst>
+              <a:ext uri="{FF2B5EF4-FFF2-40B4-BE49-F238E27FC236}">
+                <a16:creationId xmlns:a16="http://schemas.microsoft.com/office/drawing/2014/main" id="{18B9CA37-4238-4D47-AF34-E34B58223F3D}"/>
+              </a:ext>
+            </a:extLst>
+          </p:cNvPr>
+          <p:cNvSpPr txBox="1"/>
+          <p:nvPr/>
+        </p:nvSpPr>
+        <p:spPr>
+          <a:xfrm>
+            <a:off x="524191" y="132080"/>
+            <a:ext cx="8995729" cy="769441"/>
+          </a:xfrm>
+          <a:prstGeom prst="rect">
+            <a:avLst/>
+          </a:prstGeom>
+          <a:noFill/>
+        </p:spPr>
+        <p:txBody>
+          <a:bodyPr wrap="square" rtlCol="0">
+            <a:spAutoFit/>
+          </a:bodyPr>
+          <a:lstStyle/>
+          <a:p>
+            <a:r>
+              <a:rPr lang="en-IN" sz="4400" b="1" dirty="0">
+                <a:solidFill>
+                  <a:srgbClr val="FFFF00"/>
+                </a:solidFill>
+              </a:rPr>
+              <a:t>hyperparameters in DBSCAN</a:t>
+            </a:r>
           </a:p>
         </p:txBody>
       </p:sp>
@@ -9798,6 +9893,809 @@
     <p:extLst>
       <p:ext uri="{BB962C8B-B14F-4D97-AF65-F5344CB8AC3E}">
         <p14:creationId xmlns:p14="http://schemas.microsoft.com/office/powerpoint/2010/main" val="445586193"/>
+      </p:ext>
+    </p:extLst>
+  </p:cSld>
+  <p:clrMapOvr>
+    <a:masterClrMapping/>
+  </p:clrMapOvr>
+</p:sld>
+</file>
+
+<file path=ppt/slides/slide16.xml><?xml version="1.0" encoding="utf-8"?>
+<p:sld xmlns:a="http://schemas.openxmlformats.org/drawingml/2006/main" xmlns:r="http://schemas.openxmlformats.org/officeDocument/2006/relationships" xmlns:p="http://schemas.openxmlformats.org/presentationml/2006/main">
+  <p:cSld>
+    <p:spTree>
+      <p:nvGrpSpPr>
+        <p:cNvPr id="1" name=""/>
+        <p:cNvGrpSpPr/>
+        <p:nvPr/>
+      </p:nvGrpSpPr>
+      <p:grpSpPr>
+        <a:xfrm>
+          <a:off x="0" y="0"/>
+          <a:ext cx="0" cy="0"/>
+          <a:chOff x="0" y="0"/>
+          <a:chExt cx="0" cy="0"/>
+        </a:xfrm>
+      </p:grpSpPr>
+      <p:sp>
+        <p:nvSpPr>
+          <p:cNvPr id="2" name="Title 1">
+            <a:extLst>
+              <a:ext uri="{FF2B5EF4-FFF2-40B4-BE49-F238E27FC236}">
+                <a16:creationId xmlns:a16="http://schemas.microsoft.com/office/drawing/2014/main" id="{98FBBE1E-1886-45BF-A2EF-E41B60D71506}"/>
+              </a:ext>
+            </a:extLst>
+          </p:cNvPr>
+          <p:cNvSpPr>
+            <a:spLocks noGrp="1"/>
+          </p:cNvSpPr>
+          <p:nvPr>
+            <p:ph type="title"/>
+          </p:nvPr>
+        </p:nvSpPr>
+        <p:spPr/>
+        <p:txBody>
+          <a:bodyPr/>
+          <a:lstStyle/>
+          <a:p>
+            <a:r>
+              <a:rPr lang="en-IN" dirty="0"/>
+              <a:t> </a:t>
+            </a:r>
+          </a:p>
+        </p:txBody>
+      </p:sp>
+      <p:pic>
+        <p:nvPicPr>
+          <p:cNvPr id="4" name="Picture 3">
+            <a:extLst>
+              <a:ext uri="{FF2B5EF4-FFF2-40B4-BE49-F238E27FC236}">
+                <a16:creationId xmlns:a16="http://schemas.microsoft.com/office/drawing/2014/main" id="{3F519259-9B8F-4777-9DA2-B77E35907417}"/>
+              </a:ext>
+            </a:extLst>
+          </p:cNvPr>
+          <p:cNvPicPr>
+            <a:picLocks noChangeAspect="1"/>
+          </p:cNvPicPr>
+          <p:nvPr/>
+        </p:nvPicPr>
+        <p:blipFill>
+          <a:blip r:embed="rId2"/>
+          <a:stretch>
+            <a:fillRect/>
+          </a:stretch>
+        </p:blipFill>
+        <p:spPr>
+          <a:xfrm>
+            <a:off x="156071" y="1879062"/>
+            <a:ext cx="7222009" cy="4978938"/>
+          </a:xfrm>
+          <a:prstGeom prst="rect">
+            <a:avLst/>
+          </a:prstGeom>
+        </p:spPr>
+      </p:pic>
+      <p:sp>
+        <p:nvSpPr>
+          <p:cNvPr id="5" name="TextBox 4">
+            <a:extLst>
+              <a:ext uri="{FF2B5EF4-FFF2-40B4-BE49-F238E27FC236}">
+                <a16:creationId xmlns:a16="http://schemas.microsoft.com/office/drawing/2014/main" id="{87DF046B-B718-4281-BAA5-A719A55B8229}"/>
+              </a:ext>
+            </a:extLst>
+          </p:cNvPr>
+          <p:cNvSpPr txBox="1"/>
+          <p:nvPr/>
+        </p:nvSpPr>
+        <p:spPr>
+          <a:xfrm>
+            <a:off x="7569200" y="2123440"/>
+            <a:ext cx="4466729" cy="1754326"/>
+          </a:xfrm>
+          <a:prstGeom prst="rect">
+            <a:avLst/>
+          </a:prstGeom>
+          <a:noFill/>
+        </p:spPr>
+        <p:txBody>
+          <a:bodyPr wrap="square" rtlCol="0">
+            <a:spAutoFit/>
+          </a:bodyPr>
+          <a:lstStyle/>
+          <a:p>
+            <a:endParaRPr lang="en-IN" dirty="0"/>
+          </a:p>
+          <a:p>
+            <a:r>
+              <a:rPr lang="en-IN" dirty="0"/>
+              <a:t>Random point</a:t>
+            </a:r>
+          </a:p>
+          <a:p>
+            <a:endParaRPr lang="en-IN" dirty="0"/>
+          </a:p>
+          <a:p>
+            <a:r>
+              <a:rPr lang="en-IN" dirty="0"/>
+              <a:t>Eps = 1 [</a:t>
+            </a:r>
+            <a:r>
+              <a:rPr lang="en-IN" dirty="0" err="1"/>
+              <a:t>Dist</a:t>
+            </a:r>
+            <a:r>
+              <a:rPr lang="en-IN" dirty="0"/>
+              <a:t> b/w cluster and point]</a:t>
+            </a:r>
+          </a:p>
+          <a:p>
+            <a:endParaRPr lang="en-IN" dirty="0"/>
+          </a:p>
+          <a:p>
+            <a:r>
+              <a:rPr lang="en-IN" dirty="0"/>
+              <a:t>Min Points = 3</a:t>
+            </a:r>
+          </a:p>
+        </p:txBody>
+      </p:sp>
+      <p:sp>
+        <p:nvSpPr>
+          <p:cNvPr id="6" name="Freeform: Shape 5">
+            <a:extLst>
+              <a:ext uri="{FF2B5EF4-FFF2-40B4-BE49-F238E27FC236}">
+                <a16:creationId xmlns:a16="http://schemas.microsoft.com/office/drawing/2014/main" id="{F459D18B-1359-416F-9CEE-09A745C5AB85}"/>
+              </a:ext>
+            </a:extLst>
+          </p:cNvPr>
+          <p:cNvSpPr/>
+          <p:nvPr/>
+        </p:nvSpPr>
+        <p:spPr>
+          <a:xfrm>
+            <a:off x="7213600" y="3474720"/>
+            <a:ext cx="345440" cy="213360"/>
+          </a:xfrm>
+          <a:custGeom>
+            <a:avLst/>
+            <a:gdLst>
+              <a:gd name="connsiteX0" fmla="*/ 0 w 345440"/>
+              <a:gd name="connsiteY0" fmla="*/ 0 h 213360"/>
+              <a:gd name="connsiteX1" fmla="*/ 50800 w 345440"/>
+              <a:gd name="connsiteY1" fmla="*/ 30480 h 213360"/>
+              <a:gd name="connsiteX2" fmla="*/ 111760 w 345440"/>
+              <a:gd name="connsiteY2" fmla="*/ 60960 h 213360"/>
+              <a:gd name="connsiteX3" fmla="*/ 152400 w 345440"/>
+              <a:gd name="connsiteY3" fmla="*/ 91440 h 213360"/>
+              <a:gd name="connsiteX4" fmla="*/ 213360 w 345440"/>
+              <a:gd name="connsiteY4" fmla="*/ 132080 h 213360"/>
+              <a:gd name="connsiteX5" fmla="*/ 254000 w 345440"/>
+              <a:gd name="connsiteY5" fmla="*/ 152400 h 213360"/>
+              <a:gd name="connsiteX6" fmla="*/ 314960 w 345440"/>
+              <a:gd name="connsiteY6" fmla="*/ 162560 h 213360"/>
+              <a:gd name="connsiteX7" fmla="*/ 345440 w 345440"/>
+              <a:gd name="connsiteY7" fmla="*/ 213360 h 213360"/>
+            </a:gdLst>
+            <a:ahLst/>
+            <a:cxnLst>
+              <a:cxn ang="0">
+                <a:pos x="connsiteX0" y="connsiteY0"/>
+              </a:cxn>
+              <a:cxn ang="0">
+                <a:pos x="connsiteX1" y="connsiteY1"/>
+              </a:cxn>
+              <a:cxn ang="0">
+                <a:pos x="connsiteX2" y="connsiteY2"/>
+              </a:cxn>
+              <a:cxn ang="0">
+                <a:pos x="connsiteX3" y="connsiteY3"/>
+              </a:cxn>
+              <a:cxn ang="0">
+                <a:pos x="connsiteX4" y="connsiteY4"/>
+              </a:cxn>
+              <a:cxn ang="0">
+                <a:pos x="connsiteX5" y="connsiteY5"/>
+              </a:cxn>
+              <a:cxn ang="0">
+                <a:pos x="connsiteX6" y="connsiteY6"/>
+              </a:cxn>
+              <a:cxn ang="0">
+                <a:pos x="connsiteX7" y="connsiteY7"/>
+              </a:cxn>
+            </a:cxnLst>
+            <a:rect l="l" t="t" r="r" b="b"/>
+            <a:pathLst>
+              <a:path w="345440" h="213360">
+                <a:moveTo>
+                  <a:pt x="0" y="0"/>
+                </a:moveTo>
+                <a:cubicBezTo>
+                  <a:pt x="16933" y="10160"/>
+                  <a:pt x="33464" y="21024"/>
+                  <a:pt x="50800" y="30480"/>
+                </a:cubicBezTo>
+                <a:cubicBezTo>
+                  <a:pt x="70744" y="41359"/>
+                  <a:pt x="92279" y="49271"/>
+                  <a:pt x="111760" y="60960"/>
+                </a:cubicBezTo>
+                <a:cubicBezTo>
+                  <a:pt x="126280" y="69672"/>
+                  <a:pt x="138528" y="81729"/>
+                  <a:pt x="152400" y="91440"/>
+                </a:cubicBezTo>
+                <a:cubicBezTo>
+                  <a:pt x="172407" y="105445"/>
+                  <a:pt x="192419" y="119515"/>
+                  <a:pt x="213360" y="132080"/>
+                </a:cubicBezTo>
+                <a:cubicBezTo>
+                  <a:pt x="226347" y="139872"/>
+                  <a:pt x="239493" y="148048"/>
+                  <a:pt x="254000" y="152400"/>
+                </a:cubicBezTo>
+                <a:cubicBezTo>
+                  <a:pt x="273731" y="158319"/>
+                  <a:pt x="294640" y="159173"/>
+                  <a:pt x="314960" y="162560"/>
+                </a:cubicBezTo>
+                <a:lnTo>
+                  <a:pt x="345440" y="213360"/>
+                </a:lnTo>
+              </a:path>
+            </a:pathLst>
+          </a:custGeom>
+        </p:spPr>
+        <p:style>
+          <a:lnRef idx="1">
+            <a:schemeClr val="accent2"/>
+          </a:lnRef>
+          <a:fillRef idx="0">
+            <a:schemeClr val="accent2"/>
+          </a:fillRef>
+          <a:effectRef idx="0">
+            <a:schemeClr val="accent2"/>
+          </a:effectRef>
+          <a:fontRef idx="minor">
+            <a:schemeClr val="tx1"/>
+          </a:fontRef>
+        </p:style>
+        <p:txBody>
+          <a:bodyPr rtlCol="0" anchor="ctr"/>
+          <a:lstStyle/>
+          <a:p>
+            <a:pPr algn="ctr"/>
+            <a:endParaRPr lang="en-IN"/>
+          </a:p>
+        </p:txBody>
+      </p:sp>
+      <p:sp>
+        <p:nvSpPr>
+          <p:cNvPr id="7" name="Freeform: Shape 6">
+            <a:extLst>
+              <a:ext uri="{FF2B5EF4-FFF2-40B4-BE49-F238E27FC236}">
+                <a16:creationId xmlns:a16="http://schemas.microsoft.com/office/drawing/2014/main" id="{B29A1B31-DB3F-4945-B12C-7F30A1E4B178}"/>
+              </a:ext>
+            </a:extLst>
+          </p:cNvPr>
+          <p:cNvSpPr/>
+          <p:nvPr/>
+        </p:nvSpPr>
+        <p:spPr>
+          <a:xfrm rot="5044339">
+            <a:off x="7213600" y="3446033"/>
+            <a:ext cx="345440" cy="213360"/>
+          </a:xfrm>
+          <a:custGeom>
+            <a:avLst/>
+            <a:gdLst>
+              <a:gd name="connsiteX0" fmla="*/ 0 w 345440"/>
+              <a:gd name="connsiteY0" fmla="*/ 0 h 213360"/>
+              <a:gd name="connsiteX1" fmla="*/ 50800 w 345440"/>
+              <a:gd name="connsiteY1" fmla="*/ 30480 h 213360"/>
+              <a:gd name="connsiteX2" fmla="*/ 111760 w 345440"/>
+              <a:gd name="connsiteY2" fmla="*/ 60960 h 213360"/>
+              <a:gd name="connsiteX3" fmla="*/ 152400 w 345440"/>
+              <a:gd name="connsiteY3" fmla="*/ 91440 h 213360"/>
+              <a:gd name="connsiteX4" fmla="*/ 213360 w 345440"/>
+              <a:gd name="connsiteY4" fmla="*/ 132080 h 213360"/>
+              <a:gd name="connsiteX5" fmla="*/ 254000 w 345440"/>
+              <a:gd name="connsiteY5" fmla="*/ 152400 h 213360"/>
+              <a:gd name="connsiteX6" fmla="*/ 314960 w 345440"/>
+              <a:gd name="connsiteY6" fmla="*/ 162560 h 213360"/>
+              <a:gd name="connsiteX7" fmla="*/ 345440 w 345440"/>
+              <a:gd name="connsiteY7" fmla="*/ 213360 h 213360"/>
+            </a:gdLst>
+            <a:ahLst/>
+            <a:cxnLst>
+              <a:cxn ang="0">
+                <a:pos x="connsiteX0" y="connsiteY0"/>
+              </a:cxn>
+              <a:cxn ang="0">
+                <a:pos x="connsiteX1" y="connsiteY1"/>
+              </a:cxn>
+              <a:cxn ang="0">
+                <a:pos x="connsiteX2" y="connsiteY2"/>
+              </a:cxn>
+              <a:cxn ang="0">
+                <a:pos x="connsiteX3" y="connsiteY3"/>
+              </a:cxn>
+              <a:cxn ang="0">
+                <a:pos x="connsiteX4" y="connsiteY4"/>
+              </a:cxn>
+              <a:cxn ang="0">
+                <a:pos x="connsiteX5" y="connsiteY5"/>
+              </a:cxn>
+              <a:cxn ang="0">
+                <a:pos x="connsiteX6" y="connsiteY6"/>
+              </a:cxn>
+              <a:cxn ang="0">
+                <a:pos x="connsiteX7" y="connsiteY7"/>
+              </a:cxn>
+            </a:cxnLst>
+            <a:rect l="l" t="t" r="r" b="b"/>
+            <a:pathLst>
+              <a:path w="345440" h="213360">
+                <a:moveTo>
+                  <a:pt x="0" y="0"/>
+                </a:moveTo>
+                <a:cubicBezTo>
+                  <a:pt x="16933" y="10160"/>
+                  <a:pt x="33464" y="21024"/>
+                  <a:pt x="50800" y="30480"/>
+                </a:cubicBezTo>
+                <a:cubicBezTo>
+                  <a:pt x="70744" y="41359"/>
+                  <a:pt x="92279" y="49271"/>
+                  <a:pt x="111760" y="60960"/>
+                </a:cubicBezTo>
+                <a:cubicBezTo>
+                  <a:pt x="126280" y="69672"/>
+                  <a:pt x="138528" y="81729"/>
+                  <a:pt x="152400" y="91440"/>
+                </a:cubicBezTo>
+                <a:cubicBezTo>
+                  <a:pt x="172407" y="105445"/>
+                  <a:pt x="192419" y="119515"/>
+                  <a:pt x="213360" y="132080"/>
+                </a:cubicBezTo>
+                <a:cubicBezTo>
+                  <a:pt x="226347" y="139872"/>
+                  <a:pt x="239493" y="148048"/>
+                  <a:pt x="254000" y="152400"/>
+                </a:cubicBezTo>
+                <a:cubicBezTo>
+                  <a:pt x="273731" y="158319"/>
+                  <a:pt x="294640" y="159173"/>
+                  <a:pt x="314960" y="162560"/>
+                </a:cubicBezTo>
+                <a:lnTo>
+                  <a:pt x="345440" y="213360"/>
+                </a:lnTo>
+              </a:path>
+            </a:pathLst>
+          </a:custGeom>
+        </p:spPr>
+        <p:style>
+          <a:lnRef idx="1">
+            <a:schemeClr val="accent2"/>
+          </a:lnRef>
+          <a:fillRef idx="0">
+            <a:schemeClr val="accent2"/>
+          </a:fillRef>
+          <a:effectRef idx="0">
+            <a:schemeClr val="accent2"/>
+          </a:effectRef>
+          <a:fontRef idx="minor">
+            <a:schemeClr val="tx1"/>
+          </a:fontRef>
+        </p:style>
+        <p:txBody>
+          <a:bodyPr rtlCol="0" anchor="ctr"/>
+          <a:lstStyle/>
+          <a:p>
+            <a:pPr algn="ctr"/>
+            <a:endParaRPr lang="en-IN"/>
+          </a:p>
+        </p:txBody>
+      </p:sp>
+    </p:spTree>
+    <p:extLst>
+      <p:ext uri="{BB962C8B-B14F-4D97-AF65-F5344CB8AC3E}">
+        <p14:creationId xmlns:p14="http://schemas.microsoft.com/office/powerpoint/2010/main" val="1414659258"/>
+      </p:ext>
+    </p:extLst>
+  </p:cSld>
+  <p:clrMapOvr>
+    <a:masterClrMapping/>
+  </p:clrMapOvr>
+</p:sld>
+</file>
+
+<file path=ppt/slides/slide17.xml><?xml version="1.0" encoding="utf-8"?>
+<p:sld xmlns:a="http://schemas.openxmlformats.org/drawingml/2006/main" xmlns:r="http://schemas.openxmlformats.org/officeDocument/2006/relationships" xmlns:p="http://schemas.openxmlformats.org/presentationml/2006/main">
+  <p:cSld>
+    <p:spTree>
+      <p:nvGrpSpPr>
+        <p:cNvPr id="1" name=""/>
+        <p:cNvGrpSpPr/>
+        <p:nvPr/>
+      </p:nvGrpSpPr>
+      <p:grpSpPr>
+        <a:xfrm>
+          <a:off x="0" y="0"/>
+          <a:ext cx="0" cy="0"/>
+          <a:chOff x="0" y="0"/>
+          <a:chExt cx="0" cy="0"/>
+        </a:xfrm>
+      </p:grpSpPr>
+      <p:sp>
+        <p:nvSpPr>
+          <p:cNvPr id="2" name="Title 1">
+            <a:extLst>
+              <a:ext uri="{FF2B5EF4-FFF2-40B4-BE49-F238E27FC236}">
+                <a16:creationId xmlns:a16="http://schemas.microsoft.com/office/drawing/2014/main" id="{98FBBE1E-1886-45BF-A2EF-E41B60D71506}"/>
+              </a:ext>
+            </a:extLst>
+          </p:cNvPr>
+          <p:cNvSpPr>
+            <a:spLocks noGrp="1"/>
+          </p:cNvSpPr>
+          <p:nvPr>
+            <p:ph type="title"/>
+          </p:nvPr>
+        </p:nvSpPr>
+        <p:spPr/>
+        <p:txBody>
+          <a:bodyPr/>
+          <a:lstStyle/>
+          <a:p>
+            <a:endParaRPr lang="en-IN"/>
+          </a:p>
+        </p:txBody>
+      </p:sp>
+      <p:pic>
+        <p:nvPicPr>
+          <p:cNvPr id="5" name="Picture 4">
+            <a:extLst>
+              <a:ext uri="{FF2B5EF4-FFF2-40B4-BE49-F238E27FC236}">
+                <a16:creationId xmlns:a16="http://schemas.microsoft.com/office/drawing/2014/main" id="{8254EB0D-EB15-43DF-9E29-F2A41B35C0E6}"/>
+              </a:ext>
+            </a:extLst>
+          </p:cNvPr>
+          <p:cNvPicPr>
+            <a:picLocks noChangeAspect="1"/>
+          </p:cNvPicPr>
+          <p:nvPr/>
+        </p:nvPicPr>
+        <p:blipFill>
+          <a:blip r:embed="rId2"/>
+          <a:stretch>
+            <a:fillRect/>
+          </a:stretch>
+        </p:blipFill>
+        <p:spPr>
+          <a:xfrm>
+            <a:off x="211323" y="1990811"/>
+            <a:ext cx="6711745" cy="4765589"/>
+          </a:xfrm>
+          <a:prstGeom prst="rect">
+            <a:avLst/>
+          </a:prstGeom>
+        </p:spPr>
+      </p:pic>
+      <p:sp>
+        <p:nvSpPr>
+          <p:cNvPr id="6" name="TextBox 5">
+            <a:extLst>
+              <a:ext uri="{FF2B5EF4-FFF2-40B4-BE49-F238E27FC236}">
+                <a16:creationId xmlns:a16="http://schemas.microsoft.com/office/drawing/2014/main" id="{7E2F50CA-5361-4273-B8B3-7D883FAA076D}"/>
+              </a:ext>
+            </a:extLst>
+          </p:cNvPr>
+          <p:cNvSpPr txBox="1"/>
+          <p:nvPr/>
+        </p:nvSpPr>
+        <p:spPr>
+          <a:xfrm>
+            <a:off x="6923068" y="1853248"/>
+            <a:ext cx="4988560" cy="4832092"/>
+          </a:xfrm>
+          <a:prstGeom prst="rect">
+            <a:avLst/>
+          </a:prstGeom>
+          <a:noFill/>
+        </p:spPr>
+        <p:txBody>
+          <a:bodyPr wrap="square" rtlCol="0">
+            <a:spAutoFit/>
+          </a:bodyPr>
+          <a:lstStyle/>
+          <a:p>
+            <a:r>
+              <a:rPr lang="en-IN" sz="2800" dirty="0"/>
+              <a:t>C =Core point</a:t>
+            </a:r>
+          </a:p>
+          <a:p>
+            <a:endParaRPr lang="en-IN" sz="2800" dirty="0"/>
+          </a:p>
+          <a:p>
+            <a:r>
+              <a:rPr lang="en-IN" sz="2800" dirty="0"/>
+              <a:t>Min points = 3 [But here we have ]</a:t>
+            </a:r>
+          </a:p>
+          <a:p>
+            <a:endParaRPr lang="en-IN" sz="2800" dirty="0"/>
+          </a:p>
+          <a:p>
+            <a:r>
+              <a:rPr lang="en-IN" sz="2800" dirty="0"/>
+              <a:t>Border points :- Point in cluster but not able to plot cluster</a:t>
+            </a:r>
+          </a:p>
+          <a:p>
+            <a:endParaRPr lang="en-IN" sz="2800" dirty="0"/>
+          </a:p>
+          <a:p>
+            <a:r>
+              <a:rPr lang="en-IN" sz="2800" dirty="0"/>
+              <a:t>Noise :- Not in any core and neighbour cluster</a:t>
+            </a:r>
+          </a:p>
+        </p:txBody>
+      </p:sp>
+      <p:sp>
+        <p:nvSpPr>
+          <p:cNvPr id="7" name="Freeform: Shape 6">
+            <a:extLst>
+              <a:ext uri="{FF2B5EF4-FFF2-40B4-BE49-F238E27FC236}">
+                <a16:creationId xmlns:a16="http://schemas.microsoft.com/office/drawing/2014/main" id="{287CE4F4-5080-49CF-91A1-CEAF45313B72}"/>
+              </a:ext>
+            </a:extLst>
+          </p:cNvPr>
+          <p:cNvSpPr/>
+          <p:nvPr/>
+        </p:nvSpPr>
+        <p:spPr>
+          <a:xfrm>
+            <a:off x="6959600" y="2834640"/>
+            <a:ext cx="254000" cy="223520"/>
+          </a:xfrm>
+          <a:custGeom>
+            <a:avLst/>
+            <a:gdLst>
+              <a:gd name="connsiteX0" fmla="*/ 0 w 254000"/>
+              <a:gd name="connsiteY0" fmla="*/ 101600 h 223520"/>
+              <a:gd name="connsiteX1" fmla="*/ 60960 w 254000"/>
+              <a:gd name="connsiteY1" fmla="*/ 152400 h 223520"/>
+              <a:gd name="connsiteX2" fmla="*/ 132080 w 254000"/>
+              <a:gd name="connsiteY2" fmla="*/ 223520 h 223520"/>
+              <a:gd name="connsiteX3" fmla="*/ 254000 w 254000"/>
+              <a:gd name="connsiteY3" fmla="*/ 0 h 223520"/>
+            </a:gdLst>
+            <a:ahLst/>
+            <a:cxnLst>
+              <a:cxn ang="0">
+                <a:pos x="connsiteX0" y="connsiteY0"/>
+              </a:cxn>
+              <a:cxn ang="0">
+                <a:pos x="connsiteX1" y="connsiteY1"/>
+              </a:cxn>
+              <a:cxn ang="0">
+                <a:pos x="connsiteX2" y="connsiteY2"/>
+              </a:cxn>
+              <a:cxn ang="0">
+                <a:pos x="connsiteX3" y="connsiteY3"/>
+              </a:cxn>
+            </a:cxnLst>
+            <a:rect l="l" t="t" r="r" b="b"/>
+            <a:pathLst>
+              <a:path w="254000" h="223520">
+                <a:moveTo>
+                  <a:pt x="0" y="101600"/>
+                </a:moveTo>
+                <a:cubicBezTo>
+                  <a:pt x="20320" y="118533"/>
+                  <a:pt x="43167" y="132828"/>
+                  <a:pt x="60960" y="152400"/>
+                </a:cubicBezTo>
+                <a:cubicBezTo>
+                  <a:pt x="131844" y="230372"/>
+                  <a:pt x="67774" y="202085"/>
+                  <a:pt x="132080" y="223520"/>
+                </a:cubicBezTo>
+                <a:lnTo>
+                  <a:pt x="254000" y="0"/>
+                </a:lnTo>
+              </a:path>
+            </a:pathLst>
+          </a:custGeom>
+        </p:spPr>
+        <p:style>
+          <a:lnRef idx="1">
+            <a:schemeClr val="accent2"/>
+          </a:lnRef>
+          <a:fillRef idx="0">
+            <a:schemeClr val="accent2"/>
+          </a:fillRef>
+          <a:effectRef idx="0">
+            <a:schemeClr val="accent2"/>
+          </a:effectRef>
+          <a:fontRef idx="minor">
+            <a:schemeClr val="tx1"/>
+          </a:fontRef>
+        </p:style>
+        <p:txBody>
+          <a:bodyPr rtlCol="0" anchor="ctr"/>
+          <a:lstStyle/>
+          <a:p>
+            <a:pPr algn="ctr"/>
+            <a:endParaRPr lang="en-IN"/>
+          </a:p>
+        </p:txBody>
+      </p:sp>
+    </p:spTree>
+    <p:extLst>
+      <p:ext uri="{BB962C8B-B14F-4D97-AF65-F5344CB8AC3E}">
+        <p14:creationId xmlns:p14="http://schemas.microsoft.com/office/powerpoint/2010/main" val="3002326050"/>
+      </p:ext>
+    </p:extLst>
+  </p:cSld>
+  <p:clrMapOvr>
+    <a:masterClrMapping/>
+  </p:clrMapOvr>
+</p:sld>
+</file>
+
+<file path=ppt/slides/slide18.xml><?xml version="1.0" encoding="utf-8"?>
+<p:sld xmlns:a="http://schemas.openxmlformats.org/drawingml/2006/main" xmlns:r="http://schemas.openxmlformats.org/officeDocument/2006/relationships" xmlns:p="http://schemas.openxmlformats.org/presentationml/2006/main">
+  <p:cSld>
+    <p:spTree>
+      <p:nvGrpSpPr>
+        <p:cNvPr id="1" name=""/>
+        <p:cNvGrpSpPr/>
+        <p:nvPr/>
+      </p:nvGrpSpPr>
+      <p:grpSpPr>
+        <a:xfrm>
+          <a:off x="0" y="0"/>
+          <a:ext cx="0" cy="0"/>
+          <a:chOff x="0" y="0"/>
+          <a:chExt cx="0" cy="0"/>
+        </a:xfrm>
+      </p:grpSpPr>
+      <p:sp>
+        <p:nvSpPr>
+          <p:cNvPr id="2" name="Title 1">
+            <a:extLst>
+              <a:ext uri="{FF2B5EF4-FFF2-40B4-BE49-F238E27FC236}">
+                <a16:creationId xmlns:a16="http://schemas.microsoft.com/office/drawing/2014/main" id="{98FBBE1E-1886-45BF-A2EF-E41B60D71506}"/>
+              </a:ext>
+            </a:extLst>
+          </p:cNvPr>
+          <p:cNvSpPr>
+            <a:spLocks noGrp="1"/>
+          </p:cNvSpPr>
+          <p:nvPr>
+            <p:ph type="title"/>
+          </p:nvPr>
+        </p:nvSpPr>
+        <p:spPr>
+          <a:xfrm>
+            <a:off x="646111" y="452718"/>
+            <a:ext cx="5561649" cy="685202"/>
+          </a:xfrm>
+        </p:spPr>
+        <p:txBody>
+          <a:bodyPr/>
+          <a:lstStyle/>
+          <a:p>
+            <a:r>
+              <a:rPr lang="en-IN" b="1" dirty="0">
+                <a:solidFill>
+                  <a:srgbClr val="FFFF00"/>
+                </a:solidFill>
+              </a:rPr>
+              <a:t>Validation of clusters</a:t>
+            </a:r>
+          </a:p>
+        </p:txBody>
+      </p:sp>
+      <p:sp>
+        <p:nvSpPr>
+          <p:cNvPr id="3" name="TextBox 2">
+            <a:extLst>
+              <a:ext uri="{FF2B5EF4-FFF2-40B4-BE49-F238E27FC236}">
+                <a16:creationId xmlns:a16="http://schemas.microsoft.com/office/drawing/2014/main" id="{F8A14391-28E2-41C9-9A72-BED57747E609}"/>
+              </a:ext>
+            </a:extLst>
+          </p:cNvPr>
+          <p:cNvSpPr txBox="1"/>
+          <p:nvPr/>
+        </p:nvSpPr>
+        <p:spPr>
+          <a:xfrm>
+            <a:off x="365760" y="1473200"/>
+            <a:ext cx="10698480" cy="4826000"/>
+          </a:xfrm>
+          <a:prstGeom prst="rect">
+            <a:avLst/>
+          </a:prstGeom>
+          <a:noFill/>
+        </p:spPr>
+        <p:txBody>
+          <a:bodyPr wrap="square" rtlCol="0">
+            <a:spAutoFit/>
+          </a:bodyPr>
+          <a:lstStyle/>
+          <a:p>
+            <a:endParaRPr lang="en-IN" dirty="0"/>
+          </a:p>
+        </p:txBody>
+      </p:sp>
+    </p:spTree>
+    <p:extLst>
+      <p:ext uri="{BB962C8B-B14F-4D97-AF65-F5344CB8AC3E}">
+        <p14:creationId xmlns:p14="http://schemas.microsoft.com/office/powerpoint/2010/main" val="1659689574"/>
+      </p:ext>
+    </p:extLst>
+  </p:cSld>
+  <p:clrMapOvr>
+    <a:masterClrMapping/>
+  </p:clrMapOvr>
+</p:sld>
+</file>
+
+<file path=ppt/slides/slide19.xml><?xml version="1.0" encoding="utf-8"?>
+<p:sld xmlns:a="http://schemas.openxmlformats.org/drawingml/2006/main" xmlns:r="http://schemas.openxmlformats.org/officeDocument/2006/relationships" xmlns:p="http://schemas.openxmlformats.org/presentationml/2006/main">
+  <p:cSld>
+    <p:spTree>
+      <p:nvGrpSpPr>
+        <p:cNvPr id="1" name=""/>
+        <p:cNvGrpSpPr/>
+        <p:nvPr/>
+      </p:nvGrpSpPr>
+      <p:grpSpPr>
+        <a:xfrm>
+          <a:off x="0" y="0"/>
+          <a:ext cx="0" cy="0"/>
+          <a:chOff x="0" y="0"/>
+          <a:chExt cx="0" cy="0"/>
+        </a:xfrm>
+      </p:grpSpPr>
+      <p:sp>
+        <p:nvSpPr>
+          <p:cNvPr id="2" name="Title 1">
+            <a:extLst>
+              <a:ext uri="{FF2B5EF4-FFF2-40B4-BE49-F238E27FC236}">
+                <a16:creationId xmlns:a16="http://schemas.microsoft.com/office/drawing/2014/main" id="{98FBBE1E-1886-45BF-A2EF-E41B60D71506}"/>
+              </a:ext>
+            </a:extLst>
+          </p:cNvPr>
+          <p:cNvSpPr>
+            <a:spLocks noGrp="1"/>
+          </p:cNvSpPr>
+          <p:nvPr>
+            <p:ph type="title"/>
+          </p:nvPr>
+        </p:nvSpPr>
+        <p:spPr/>
+        <p:txBody>
+          <a:bodyPr/>
+          <a:lstStyle/>
+          <a:p>
+            <a:endParaRPr lang="en-IN"/>
+          </a:p>
+        </p:txBody>
+      </p:sp>
+    </p:spTree>
+    <p:extLst>
+      <p:ext uri="{BB962C8B-B14F-4D97-AF65-F5344CB8AC3E}">
+        <p14:creationId xmlns:p14="http://schemas.microsoft.com/office/powerpoint/2010/main" val="175301127"/>
       </p:ext>
     </p:extLst>
   </p:cSld>
@@ -10192,6 +11090,276 @@
     <p:extLst>
       <p:ext uri="{BB962C8B-B14F-4D97-AF65-F5344CB8AC3E}">
         <p14:creationId xmlns:p14="http://schemas.microsoft.com/office/powerpoint/2010/main" val="378178451"/>
+      </p:ext>
+    </p:extLst>
+  </p:cSld>
+  <p:clrMapOvr>
+    <a:masterClrMapping/>
+  </p:clrMapOvr>
+</p:sld>
+</file>
+
+<file path=ppt/slides/slide20.xml><?xml version="1.0" encoding="utf-8"?>
+<p:sld xmlns:a="http://schemas.openxmlformats.org/drawingml/2006/main" xmlns:r="http://schemas.openxmlformats.org/officeDocument/2006/relationships" xmlns:p="http://schemas.openxmlformats.org/presentationml/2006/main">
+  <p:cSld>
+    <p:spTree>
+      <p:nvGrpSpPr>
+        <p:cNvPr id="1" name=""/>
+        <p:cNvGrpSpPr/>
+        <p:nvPr/>
+      </p:nvGrpSpPr>
+      <p:grpSpPr>
+        <a:xfrm>
+          <a:off x="0" y="0"/>
+          <a:ext cx="0" cy="0"/>
+          <a:chOff x="0" y="0"/>
+          <a:chExt cx="0" cy="0"/>
+        </a:xfrm>
+      </p:grpSpPr>
+      <p:sp>
+        <p:nvSpPr>
+          <p:cNvPr id="2" name="Title 1">
+            <a:extLst>
+              <a:ext uri="{FF2B5EF4-FFF2-40B4-BE49-F238E27FC236}">
+                <a16:creationId xmlns:a16="http://schemas.microsoft.com/office/drawing/2014/main" id="{98FBBE1E-1886-45BF-A2EF-E41B60D71506}"/>
+              </a:ext>
+            </a:extLst>
+          </p:cNvPr>
+          <p:cNvSpPr>
+            <a:spLocks noGrp="1"/>
+          </p:cNvSpPr>
+          <p:nvPr>
+            <p:ph type="title"/>
+          </p:nvPr>
+        </p:nvSpPr>
+        <p:spPr/>
+        <p:txBody>
+          <a:bodyPr/>
+          <a:lstStyle/>
+          <a:p>
+            <a:endParaRPr lang="en-IN"/>
+          </a:p>
+        </p:txBody>
+      </p:sp>
+    </p:spTree>
+    <p:extLst>
+      <p:ext uri="{BB962C8B-B14F-4D97-AF65-F5344CB8AC3E}">
+        <p14:creationId xmlns:p14="http://schemas.microsoft.com/office/powerpoint/2010/main" val="2145245169"/>
+      </p:ext>
+    </p:extLst>
+  </p:cSld>
+  <p:clrMapOvr>
+    <a:masterClrMapping/>
+  </p:clrMapOvr>
+</p:sld>
+</file>
+
+<file path=ppt/slides/slide21.xml><?xml version="1.0" encoding="utf-8"?>
+<p:sld xmlns:a="http://schemas.openxmlformats.org/drawingml/2006/main" xmlns:r="http://schemas.openxmlformats.org/officeDocument/2006/relationships" xmlns:p="http://schemas.openxmlformats.org/presentationml/2006/main">
+  <p:cSld>
+    <p:spTree>
+      <p:nvGrpSpPr>
+        <p:cNvPr id="1" name=""/>
+        <p:cNvGrpSpPr/>
+        <p:nvPr/>
+      </p:nvGrpSpPr>
+      <p:grpSpPr>
+        <a:xfrm>
+          <a:off x="0" y="0"/>
+          <a:ext cx="0" cy="0"/>
+          <a:chOff x="0" y="0"/>
+          <a:chExt cx="0" cy="0"/>
+        </a:xfrm>
+      </p:grpSpPr>
+      <p:sp>
+        <p:nvSpPr>
+          <p:cNvPr id="2" name="Title 1">
+            <a:extLst>
+              <a:ext uri="{FF2B5EF4-FFF2-40B4-BE49-F238E27FC236}">
+                <a16:creationId xmlns:a16="http://schemas.microsoft.com/office/drawing/2014/main" id="{98FBBE1E-1886-45BF-A2EF-E41B60D71506}"/>
+              </a:ext>
+            </a:extLst>
+          </p:cNvPr>
+          <p:cNvSpPr>
+            <a:spLocks noGrp="1"/>
+          </p:cNvSpPr>
+          <p:nvPr>
+            <p:ph type="title"/>
+          </p:nvPr>
+        </p:nvSpPr>
+        <p:spPr/>
+        <p:txBody>
+          <a:bodyPr/>
+          <a:lstStyle/>
+          <a:p>
+            <a:endParaRPr lang="en-IN"/>
+          </a:p>
+        </p:txBody>
+      </p:sp>
+    </p:spTree>
+    <p:extLst>
+      <p:ext uri="{BB962C8B-B14F-4D97-AF65-F5344CB8AC3E}">
+        <p14:creationId xmlns:p14="http://schemas.microsoft.com/office/powerpoint/2010/main" val="1871433657"/>
+      </p:ext>
+    </p:extLst>
+  </p:cSld>
+  <p:clrMapOvr>
+    <a:masterClrMapping/>
+  </p:clrMapOvr>
+</p:sld>
+</file>
+
+<file path=ppt/slides/slide22.xml><?xml version="1.0" encoding="utf-8"?>
+<p:sld xmlns:a="http://schemas.openxmlformats.org/drawingml/2006/main" xmlns:r="http://schemas.openxmlformats.org/officeDocument/2006/relationships" xmlns:p="http://schemas.openxmlformats.org/presentationml/2006/main">
+  <p:cSld>
+    <p:spTree>
+      <p:nvGrpSpPr>
+        <p:cNvPr id="1" name=""/>
+        <p:cNvGrpSpPr/>
+        <p:nvPr/>
+      </p:nvGrpSpPr>
+      <p:grpSpPr>
+        <a:xfrm>
+          <a:off x="0" y="0"/>
+          <a:ext cx="0" cy="0"/>
+          <a:chOff x="0" y="0"/>
+          <a:chExt cx="0" cy="0"/>
+        </a:xfrm>
+      </p:grpSpPr>
+      <p:sp>
+        <p:nvSpPr>
+          <p:cNvPr id="2" name="Title 1">
+            <a:extLst>
+              <a:ext uri="{FF2B5EF4-FFF2-40B4-BE49-F238E27FC236}">
+                <a16:creationId xmlns:a16="http://schemas.microsoft.com/office/drawing/2014/main" id="{3F446BC7-7D17-4DF8-8E71-2E20D166FAB7}"/>
+              </a:ext>
+            </a:extLst>
+          </p:cNvPr>
+          <p:cNvSpPr>
+            <a:spLocks noGrp="1"/>
+          </p:cNvSpPr>
+          <p:nvPr>
+            <p:ph type="title"/>
+          </p:nvPr>
+        </p:nvSpPr>
+        <p:spPr/>
+        <p:txBody>
+          <a:bodyPr/>
+          <a:lstStyle/>
+          <a:p>
+            <a:endParaRPr lang="en-IN"/>
+          </a:p>
+        </p:txBody>
+      </p:sp>
+      <p:sp>
+        <p:nvSpPr>
+          <p:cNvPr id="3" name="Content Placeholder 2">
+            <a:extLst>
+              <a:ext uri="{FF2B5EF4-FFF2-40B4-BE49-F238E27FC236}">
+                <a16:creationId xmlns:a16="http://schemas.microsoft.com/office/drawing/2014/main" id="{4E17855E-F434-4F0B-972D-162867F2CCFE}"/>
+              </a:ext>
+            </a:extLst>
+          </p:cNvPr>
+          <p:cNvSpPr>
+            <a:spLocks noGrp="1"/>
+          </p:cNvSpPr>
+          <p:nvPr>
+            <p:ph idx="1"/>
+          </p:nvPr>
+        </p:nvSpPr>
+        <p:spPr/>
+        <p:txBody>
+          <a:bodyPr/>
+          <a:lstStyle/>
+          <a:p>
+            <a:endParaRPr lang="en-IN"/>
+          </a:p>
+        </p:txBody>
+      </p:sp>
+    </p:spTree>
+    <p:extLst>
+      <p:ext uri="{BB962C8B-B14F-4D97-AF65-F5344CB8AC3E}">
+        <p14:creationId xmlns:p14="http://schemas.microsoft.com/office/powerpoint/2010/main" val="72080371"/>
+      </p:ext>
+    </p:extLst>
+  </p:cSld>
+  <p:clrMapOvr>
+    <a:masterClrMapping/>
+  </p:clrMapOvr>
+</p:sld>
+</file>
+
+<file path=ppt/slides/slide23.xml><?xml version="1.0" encoding="utf-8"?>
+<p:sld xmlns:a="http://schemas.openxmlformats.org/drawingml/2006/main" xmlns:r="http://schemas.openxmlformats.org/officeDocument/2006/relationships" xmlns:p="http://schemas.openxmlformats.org/presentationml/2006/main">
+  <p:cSld>
+    <p:spTree>
+      <p:nvGrpSpPr>
+        <p:cNvPr id="1" name=""/>
+        <p:cNvGrpSpPr/>
+        <p:nvPr/>
+      </p:nvGrpSpPr>
+      <p:grpSpPr>
+        <a:xfrm>
+          <a:off x="0" y="0"/>
+          <a:ext cx="0" cy="0"/>
+          <a:chOff x="0" y="0"/>
+          <a:chExt cx="0" cy="0"/>
+        </a:xfrm>
+      </p:grpSpPr>
+      <p:sp>
+        <p:nvSpPr>
+          <p:cNvPr id="2" name="Title 1">
+            <a:extLst>
+              <a:ext uri="{FF2B5EF4-FFF2-40B4-BE49-F238E27FC236}">
+                <a16:creationId xmlns:a16="http://schemas.microsoft.com/office/drawing/2014/main" id="{293BE9BD-3D05-482D-B16D-5BADE4F183AB}"/>
+              </a:ext>
+            </a:extLst>
+          </p:cNvPr>
+          <p:cNvSpPr>
+            <a:spLocks noGrp="1"/>
+          </p:cNvSpPr>
+          <p:nvPr>
+            <p:ph type="title"/>
+          </p:nvPr>
+        </p:nvSpPr>
+        <p:spPr/>
+        <p:txBody>
+          <a:bodyPr/>
+          <a:lstStyle/>
+          <a:p>
+            <a:endParaRPr lang="en-IN"/>
+          </a:p>
+        </p:txBody>
+      </p:sp>
+      <p:sp>
+        <p:nvSpPr>
+          <p:cNvPr id="3" name="Content Placeholder 2">
+            <a:extLst>
+              <a:ext uri="{FF2B5EF4-FFF2-40B4-BE49-F238E27FC236}">
+                <a16:creationId xmlns:a16="http://schemas.microsoft.com/office/drawing/2014/main" id="{58656B29-79B7-4660-8477-14EEB3D3BEFE}"/>
+              </a:ext>
+            </a:extLst>
+          </p:cNvPr>
+          <p:cNvSpPr>
+            <a:spLocks noGrp="1"/>
+          </p:cNvSpPr>
+          <p:nvPr>
+            <p:ph idx="1"/>
+          </p:nvPr>
+        </p:nvSpPr>
+        <p:spPr/>
+        <p:txBody>
+          <a:bodyPr/>
+          <a:lstStyle/>
+          <a:p>
+            <a:endParaRPr lang="en-IN"/>
+          </a:p>
+        </p:txBody>
+      </p:sp>
+    </p:spTree>
+    <p:extLst>
+      <p:ext uri="{BB962C8B-B14F-4D97-AF65-F5344CB8AC3E}">
+        <p14:creationId xmlns:p14="http://schemas.microsoft.com/office/powerpoint/2010/main" val="2627203739"/>
       </p:ext>
     </p:extLst>
   </p:cSld>
